--- a/presentation.pptx
+++ b/presentation.pptx
@@ -722,7 +722,7 @@
         <p:spPr>
           <a:xfrm>
             <a:off x="381300" y="685800"/>
-            <a:ext cx="6096075" cy="3429000"/>
+            <a:ext cx="6096000" cy="3429000"/>
           </a:xfrm>
           <a:custGeom>
             <a:rect b="b" l="l" r="r" t="t"/>
@@ -798,7 +798,7 @@
   <p:cSld>
     <p:spTree>
       <p:nvGrpSpPr>
-        <p:cNvPr id="56" name="Shape 56"/>
+        <p:cNvPr id="57" name="Shape 57"/>
         <p:cNvGrpSpPr/>
         <p:nvPr/>
       </p:nvGrpSpPr>
@@ -812,7 +812,7 @@
       </p:grpSpPr>
       <p:sp>
         <p:nvSpPr>
-          <p:cNvPr id="57" name="Google Shape;57;g1059dac7870_0_0:notes"/>
+          <p:cNvPr id="58" name="Google Shape;58;g1059dac7870_0_0:notes"/>
           <p:cNvSpPr/>
           <p:nvPr>
             <p:ph idx="2" type="sldImg"/>
@@ -847,7 +847,7 @@
       </p:sp>
       <p:sp>
         <p:nvSpPr>
-          <p:cNvPr id="58" name="Google Shape;58;g1059dac7870_0_0:notes"/>
+          <p:cNvPr id="59" name="Google Shape;59;g1059dac7870_0_0:notes"/>
           <p:cNvSpPr txBox="1"/>
           <p:nvPr>
             <p:ph idx="1" type="body"/>
@@ -869,6 +869,102 @@
           <a:lstStyle/>
           <a:p>
             <a:pPr indent="0" lvl="0" marL="0" rtl="0" algn="l">
+              <a:lnSpc>
+                <a:spcPct val="115000"/>
+              </a:lnSpc>
+              <a:spcBef>
+                <a:spcPts val="0"/>
+              </a:spcBef>
+              <a:spcAft>
+                <a:spcPts val="0"/>
+              </a:spcAft>
+              <a:buClr>
+                <a:schemeClr val="dk1"/>
+              </a:buClr>
+              <a:buSzPts val="1100"/>
+              <a:buFont typeface="Arial"/>
+              <a:buNone/>
+            </a:pPr>
+            <a:r>
+              <a:rPr lang="en" sz="1200">
+                <a:solidFill>
+                  <a:schemeClr val="dk1"/>
+                </a:solidFill>
+              </a:rPr>
+              <a:t>Decompose complex periodic sound into sum of sine waves oscillating at different frequencies.</a:t>
+            </a:r>
+            <a:endParaRPr sz="1200">
+              <a:solidFill>
+                <a:schemeClr val="dk1"/>
+              </a:solidFill>
+            </a:endParaRPr>
+          </a:p>
+          <a:p>
+            <a:pPr indent="0" lvl="0" marL="0" rtl="0" algn="l">
+              <a:lnSpc>
+                <a:spcPct val="115000"/>
+              </a:lnSpc>
+              <a:spcBef>
+                <a:spcPts val="0"/>
+              </a:spcBef>
+              <a:spcAft>
+                <a:spcPts val="0"/>
+              </a:spcAft>
+              <a:buClr>
+                <a:schemeClr val="dk1"/>
+              </a:buClr>
+              <a:buSzPts val="1100"/>
+              <a:buFont typeface="Arial"/>
+              <a:buNone/>
+            </a:pPr>
+            <a:r>
+              <a:rPr lang="en" sz="1200">
+                <a:solidFill>
+                  <a:schemeClr val="dk1"/>
+                </a:solidFill>
+              </a:rPr>
+              <a:t>We are particularly interested in the amplitude. Because it tells us how much a particular frequency contributes to the complex sound.</a:t>
+            </a:r>
+            <a:endParaRPr sz="1200">
+              <a:solidFill>
+                <a:schemeClr val="dk1"/>
+              </a:solidFill>
+            </a:endParaRPr>
+          </a:p>
+          <a:p>
+            <a:pPr indent="0" lvl="0" marL="0" rtl="0" algn="l">
+              <a:lnSpc>
+                <a:spcPct val="115000"/>
+              </a:lnSpc>
+              <a:spcBef>
+                <a:spcPts val="0"/>
+              </a:spcBef>
+              <a:spcAft>
+                <a:spcPts val="0"/>
+              </a:spcAft>
+              <a:buClr>
+                <a:schemeClr val="dk1"/>
+              </a:buClr>
+              <a:buSzPts val="1100"/>
+              <a:buFont typeface="Arial"/>
+              <a:buNone/>
+            </a:pPr>
+            <a:r>
+              <a:rPr lang="en" sz="1200">
+                <a:solidFill>
+                  <a:schemeClr val="dk1"/>
+                </a:solidFill>
+              </a:rPr>
+              <a:t>We can see this 1.5 contributes more.</a:t>
+            </a:r>
+            <a:endParaRPr sz="1200">
+              <a:solidFill>
+                <a:schemeClr val="dk1"/>
+              </a:solidFill>
+            </a:endParaRPr>
+          </a:p>
+          <a:p>
+            <a:pPr indent="0" lvl="0" marL="0" rtl="0" algn="l">
               <a:spcBef>
                 <a:spcPts val="0"/>
               </a:spcBef>
@@ -897,7 +993,7 @@
   <p:cSld>
     <p:spTree>
       <p:nvGrpSpPr>
-        <p:cNvPr id="64" name="Shape 64"/>
+        <p:cNvPr id="65" name="Shape 65"/>
         <p:cNvGrpSpPr/>
         <p:nvPr/>
       </p:nvGrpSpPr>
@@ -911,7 +1007,7 @@
       </p:grpSpPr>
       <p:sp>
         <p:nvSpPr>
-          <p:cNvPr id="65" name="Google Shape;65;g1059dac7870_1_13:notes"/>
+          <p:cNvPr id="66" name="Google Shape;66;g1059dac7870_1_13:notes"/>
           <p:cNvSpPr/>
           <p:nvPr>
             <p:ph idx="2" type="sldImg"/>
@@ -946,7 +1042,7 @@
       </p:sp>
       <p:sp>
         <p:nvSpPr>
-          <p:cNvPr id="66" name="Google Shape;66;g1059dac7870_1_13:notes"/>
+          <p:cNvPr id="67" name="Google Shape;67;g1059dac7870_1_13:notes"/>
           <p:cNvSpPr txBox="1"/>
           <p:nvPr>
             <p:ph idx="1" type="body"/>
@@ -968,6 +1064,134 @@
           <a:lstStyle/>
           <a:p>
             <a:pPr indent="0" lvl="0" marL="0" rtl="0" algn="l">
+              <a:lnSpc>
+                <a:spcPct val="115000"/>
+              </a:lnSpc>
+              <a:spcBef>
+                <a:spcPts val="0"/>
+              </a:spcBef>
+              <a:spcAft>
+                <a:spcPts val="0"/>
+              </a:spcAft>
+              <a:buClr>
+                <a:schemeClr val="dk1"/>
+              </a:buClr>
+              <a:buSzPts val="1100"/>
+              <a:buFont typeface="Arial"/>
+              <a:buNone/>
+            </a:pPr>
+            <a:r>
+              <a:rPr lang="en" sz="1200">
+                <a:solidFill>
+                  <a:schemeClr val="dk1"/>
+                </a:solidFill>
+              </a:rPr>
+              <a:t>Whenever we meet an audio file, we convert it into a spectrum, representing magnitude as a function of frequency. It shows how different frequencies have different power. From time domain to frequency domain. X axis changed from time to frequency.</a:t>
+            </a:r>
+            <a:endParaRPr sz="1200">
+              <a:solidFill>
+                <a:schemeClr val="dk1"/>
+              </a:solidFill>
+            </a:endParaRPr>
+          </a:p>
+          <a:p>
+            <a:pPr indent="0" lvl="0" marL="0" rtl="0" algn="l">
+              <a:lnSpc>
+                <a:spcPct val="115000"/>
+              </a:lnSpc>
+              <a:spcBef>
+                <a:spcPts val="0"/>
+              </a:spcBef>
+              <a:spcAft>
+                <a:spcPts val="0"/>
+              </a:spcAft>
+              <a:buClr>
+                <a:schemeClr val="dk1"/>
+              </a:buClr>
+              <a:buSzPts val="1100"/>
+              <a:buFont typeface="Arial"/>
+              <a:buNone/>
+            </a:pPr>
+            <a:r>
+              <a:rPr lang="en" sz="1200">
+                <a:solidFill>
+                  <a:schemeClr val="dk1"/>
+                </a:solidFill>
+              </a:rPr>
+              <a:t>However, we also don’t want to lose information about time, like how music evolve with respect to time.</a:t>
+            </a:r>
+            <a:endParaRPr sz="1200">
+              <a:solidFill>
+                <a:schemeClr val="dk1"/>
+              </a:solidFill>
+            </a:endParaRPr>
+          </a:p>
+          <a:p>
+            <a:pPr indent="0" lvl="0" marL="0" rtl="0" algn="l">
+              <a:lnSpc>
+                <a:spcPct val="115000"/>
+              </a:lnSpc>
+              <a:spcBef>
+                <a:spcPts val="0"/>
+              </a:spcBef>
+              <a:spcAft>
+                <a:spcPts val="0"/>
+              </a:spcAft>
+              <a:buClr>
+                <a:schemeClr val="dk1"/>
+              </a:buClr>
+              <a:buSzPts val="1100"/>
+              <a:buFont typeface="Arial"/>
+              <a:buNone/>
+            </a:pPr>
+            <a:r>
+              <a:rPr lang="en" sz="1200">
+                <a:solidFill>
+                  <a:schemeClr val="dk1"/>
+                </a:solidFill>
+              </a:rPr>
+              <a:t>Short Time Fourier Transform, do FFT at different intervals. We gets a spectrogram with three axis, so that both time and magnitude are kept here.  </a:t>
+            </a:r>
+            <a:endParaRPr sz="1200">
+              <a:solidFill>
+                <a:schemeClr val="dk1"/>
+              </a:solidFill>
+            </a:endParaRPr>
+          </a:p>
+          <a:p>
+            <a:pPr indent="0" lvl="0" marL="0" rtl="0" algn="l">
+              <a:lnSpc>
+                <a:spcPct val="115000"/>
+              </a:lnSpc>
+              <a:spcBef>
+                <a:spcPts val="0"/>
+              </a:spcBef>
+              <a:spcAft>
+                <a:spcPts val="0"/>
+              </a:spcAft>
+              <a:buClr>
+                <a:schemeClr val="dk1"/>
+              </a:buClr>
+              <a:buSzPts val="1100"/>
+              <a:buFont typeface="Arial"/>
+              <a:buNone/>
+            </a:pPr>
+            <a:r>
+              <a:rPr lang="en" sz="1200">
+                <a:solidFill>
+                  <a:schemeClr val="dk1"/>
+                </a:solidFill>
+              </a:rPr>
+              <a:t> </a:t>
+            </a:r>
+            <a:endParaRPr sz="1200">
+              <a:solidFill>
+                <a:schemeClr val="dk1"/>
+              </a:solidFill>
+            </a:endParaRPr>
+          </a:p>
+          <a:p>
+            <a:pPr indent="0" lvl="0" marL="0" rtl="0" algn="l">
               <a:spcBef>
                 <a:spcPts val="0"/>
               </a:spcBef>
@@ -996,7 +1220,7 @@
   <p:cSld>
     <p:spTree>
       <p:nvGrpSpPr>
-        <p:cNvPr id="71" name="Shape 71"/>
+        <p:cNvPr id="72" name="Shape 72"/>
         <p:cNvGrpSpPr/>
         <p:nvPr/>
       </p:nvGrpSpPr>
@@ -1010,7 +1234,7 @@
       </p:grpSpPr>
       <p:sp>
         <p:nvSpPr>
-          <p:cNvPr id="72" name="Google Shape;72;g1059dac7870_0_65:notes"/>
+          <p:cNvPr id="73" name="Google Shape;73;g1059dac7870_0_65:notes"/>
           <p:cNvSpPr/>
           <p:nvPr>
             <p:ph idx="2" type="sldImg"/>
@@ -1045,7 +1269,7 @@
       </p:sp>
       <p:sp>
         <p:nvSpPr>
-          <p:cNvPr id="73" name="Google Shape;73;g1059dac7870_0_65:notes"/>
+          <p:cNvPr id="74" name="Google Shape;74;g1059dac7870_0_65:notes"/>
           <p:cNvSpPr txBox="1"/>
           <p:nvPr>
             <p:ph idx="1" type="body"/>
@@ -1067,6 +1291,38 @@
           <a:lstStyle/>
           <a:p>
             <a:pPr indent="0" lvl="0" marL="0" rtl="0" algn="l">
+              <a:lnSpc>
+                <a:spcPct val="115000"/>
+              </a:lnSpc>
+              <a:spcBef>
+                <a:spcPts val="0"/>
+              </a:spcBef>
+              <a:spcAft>
+                <a:spcPts val="0"/>
+              </a:spcAft>
+              <a:buClr>
+                <a:schemeClr val="dk1"/>
+              </a:buClr>
+              <a:buSzPts val="1100"/>
+              <a:buFont typeface="Arial"/>
+              <a:buNone/>
+            </a:pPr>
+            <a:r>
+              <a:rPr lang="en" sz="1200">
+                <a:solidFill>
+                  <a:schemeClr val="dk1"/>
+                </a:solidFill>
+              </a:rPr>
+              <a:t>CNN model is of high accuracy for image classification and recognition. Since we can transform audio into an image, CNN can help us recognize textures and timbre in our music files effectively.</a:t>
+            </a:r>
+            <a:endParaRPr sz="1200">
+              <a:solidFill>
+                <a:schemeClr val="dk1"/>
+              </a:solidFill>
+            </a:endParaRPr>
+          </a:p>
+          <a:p>
+            <a:pPr indent="0" lvl="0" marL="0" rtl="0" algn="l">
               <a:spcBef>
                 <a:spcPts val="0"/>
               </a:spcBef>
@@ -1095,7 +1351,7 @@
   <p:cSld>
     <p:spTree>
       <p:nvGrpSpPr>
-        <p:cNvPr id="78" name="Shape 78"/>
+        <p:cNvPr id="79" name="Shape 79"/>
         <p:cNvGrpSpPr/>
         <p:nvPr/>
       </p:nvGrpSpPr>
@@ -1109,7 +1365,7 @@
       </p:grpSpPr>
       <p:sp>
         <p:nvSpPr>
-          <p:cNvPr id="79" name="Google Shape;79;g1059dac7870_1_21:notes"/>
+          <p:cNvPr id="80" name="Google Shape;80;g1059dac7870_1_21:notes"/>
           <p:cNvSpPr/>
           <p:nvPr>
             <p:ph idx="2" type="sldImg"/>
@@ -1144,7 +1400,7 @@
       </p:sp>
       <p:sp>
         <p:nvSpPr>
-          <p:cNvPr id="80" name="Google Shape;80;g1059dac7870_1_21:notes"/>
+          <p:cNvPr id="81" name="Google Shape;81;g1059dac7870_1_21:notes"/>
           <p:cNvSpPr txBox="1"/>
           <p:nvPr>
             <p:ph idx="1" type="body"/>
@@ -1165,19 +1421,95 @@
           </a:bodyPr>
           <a:lstStyle/>
           <a:p>
-            <a:pPr indent="0" lvl="0" marL="0" rtl="0" algn="l">
-              <a:spcBef>
-                <a:spcPts val="0"/>
-              </a:spcBef>
-              <a:spcAft>
-                <a:spcPts val="0"/>
-              </a:spcAft>
+            <a:pPr indent="457200" lvl="0" marL="0" rtl="0" algn="l">
+              <a:lnSpc>
+                <a:spcPct val="115000"/>
+              </a:lnSpc>
+              <a:spcBef>
+                <a:spcPts val="0"/>
+              </a:spcBef>
+              <a:spcAft>
+                <a:spcPts val="0"/>
+              </a:spcAft>
+              <a:buClr>
+                <a:schemeClr val="dk1"/>
+              </a:buClr>
+              <a:buSzPts val="1100"/>
+              <a:buFont typeface="Arial"/>
               <a:buNone/>
             </a:pPr>
             <a:r>
-              <a:t/>
+              <a:rPr lang="en" sz="1200">
+                <a:solidFill>
+                  <a:srgbClr val="212529"/>
+                </a:solidFill>
+                <a:highlight>
+                  <a:srgbClr val="FFFFFF"/>
+                </a:highlight>
+                <a:latin typeface="Times New Roman"/>
+                <a:ea typeface="Times New Roman"/>
+                <a:cs typeface="Times New Roman"/>
+                <a:sym typeface="Times New Roman"/>
+              </a:rPr>
+              <a:t> we splitted each audio file into 10 segments and extracted 13 MFCCs for each of those segments. For each segment, we distributed a label that represents the genre of the music. We created a three dimensional array to store the label and MFCCs and dumped the array to a json file to be used for training. I would like to give you a heads up that before storing each MFCC for segment, we would measure the length of the number of vector to make sure each of them is 130. Otherwise there </a:t>
             </a:r>
-            <a:endParaRPr/>
+            <a:r>
+              <a:rPr lang="en" sz="1200">
+                <a:solidFill>
+                  <a:srgbClr val="212529"/>
+                </a:solidFill>
+                <a:highlight>
+                  <a:srgbClr val="FFFFFF"/>
+                </a:highlight>
+                <a:latin typeface="Times New Roman"/>
+                <a:ea typeface="Times New Roman"/>
+                <a:cs typeface="Times New Roman"/>
+                <a:sym typeface="Times New Roman"/>
+              </a:rPr>
+              <a:t>will be a problem in </a:t>
+            </a:r>
+            <a:r>
+              <a:rPr lang="en" sz="1200">
+                <a:solidFill>
+                  <a:srgbClr val="212529"/>
+                </a:solidFill>
+                <a:highlight>
+                  <a:srgbClr val="FFFFFF"/>
+                </a:highlight>
+                <a:latin typeface="Times New Roman"/>
+                <a:ea typeface="Times New Roman"/>
+                <a:cs typeface="Times New Roman"/>
+                <a:sym typeface="Times New Roman"/>
+              </a:rPr>
+              <a:t>the training process. After these preprocessing steps,</a:t>
+            </a:r>
+            <a:r>
+              <a:rPr lang="en" sz="1200">
+                <a:solidFill>
+                  <a:srgbClr val="212529"/>
+                </a:solidFill>
+                <a:highlight>
+                  <a:srgbClr val="FFFFFF"/>
+                </a:highlight>
+                <a:latin typeface="Times New Roman"/>
+                <a:ea typeface="Times New Roman"/>
+                <a:cs typeface="Times New Roman"/>
+                <a:sym typeface="Times New Roman"/>
+              </a:rPr>
+              <a:t> our X would have 10000 samples, and for each samples 130 timesteps, and 13 mfcc features. For each sample, we assigned a Y value that represents the label of the segment, which became our Y. Then we did a train test split for our data, we put 60% of the data into training, 15% into validation and 25% into testing.</a:t>
+            </a:r>
+            <a:endParaRPr sz="1200">
+              <a:solidFill>
+                <a:srgbClr val="212529"/>
+              </a:solidFill>
+              <a:highlight>
+                <a:srgbClr val="FFFFFF"/>
+              </a:highlight>
+              <a:latin typeface="Times New Roman"/>
+              <a:ea typeface="Times New Roman"/>
+              <a:cs typeface="Times New Roman"/>
+              <a:sym typeface="Times New Roman"/>
+            </a:endParaRPr>
           </a:p>
         </p:txBody>
       </p:sp>
@@ -1194,7 +1526,7 @@
   <p:cSld>
     <p:spTree>
       <p:nvGrpSpPr>
-        <p:cNvPr id="85" name="Shape 85"/>
+        <p:cNvPr id="86" name="Shape 86"/>
         <p:cNvGrpSpPr/>
         <p:nvPr/>
       </p:nvGrpSpPr>
@@ -1208,7 +1540,7 @@
       </p:grpSpPr>
       <p:sp>
         <p:nvSpPr>
-          <p:cNvPr id="86" name="Google Shape;86;g1059dac7870_0_55:notes"/>
+          <p:cNvPr id="87" name="Google Shape;87;g1059dac7870_0_55:notes"/>
           <p:cNvSpPr/>
           <p:nvPr>
             <p:ph idx="2" type="sldImg"/>
@@ -1243,7 +1575,7 @@
       </p:sp>
       <p:sp>
         <p:nvSpPr>
-          <p:cNvPr id="87" name="Google Shape;87;g1059dac7870_0_55:notes"/>
+          <p:cNvPr id="88" name="Google Shape;88;g1059dac7870_0_55:notes"/>
           <p:cNvSpPr txBox="1"/>
           <p:nvPr>
             <p:ph idx="1" type="body"/>
@@ -1264,17 +1596,67 @@
           </a:bodyPr>
           <a:lstStyle/>
           <a:p>
-            <a:pPr indent="0" lvl="0" marL="0" rtl="0" algn="l">
-              <a:spcBef>
-                <a:spcPts val="0"/>
-              </a:spcBef>
-              <a:spcAft>
-                <a:spcPts val="0"/>
-              </a:spcAft>
+            <a:pPr indent="457200" lvl="0" marL="0" rtl="0" algn="l">
+              <a:lnSpc>
+                <a:spcPct val="115000"/>
+              </a:lnSpc>
+              <a:spcBef>
+                <a:spcPts val="0"/>
+              </a:spcBef>
+              <a:spcAft>
+                <a:spcPts val="0"/>
+              </a:spcAft>
+              <a:buClr>
+                <a:schemeClr val="dk1"/>
+              </a:buClr>
+              <a:buSzPts val="1100"/>
+              <a:buFont typeface="Arial"/>
               <a:buNone/>
             </a:pPr>
             <a:r>
-              <a:t/>
+              <a:rPr lang="en" sz="1200">
+                <a:solidFill>
+                  <a:srgbClr val="212529"/>
+                </a:solidFill>
+                <a:highlight>
+                  <a:srgbClr val="FFFFFF"/>
+                </a:highlight>
+                <a:latin typeface="Times New Roman"/>
+                <a:ea typeface="Times New Roman"/>
+                <a:cs typeface="Times New Roman"/>
+                <a:sym typeface="Times New Roman"/>
+              </a:rPr>
+              <a:t>We set the three hidden layers to be Rectified Linear Unit activation functions (ReLU) because it is simple to implement and effective, and specifically, it is less susceptible to vanishing gradients that prevent deep models from being trained. We set our </a:t>
+            </a:r>
+            <a:r>
+              <a:rPr lang="en" sz="1200">
+                <a:solidFill>
+                  <a:srgbClr val="212529"/>
+                </a:solidFill>
+                <a:highlight>
+                  <a:srgbClr val="FFFFFF"/>
+                </a:highlight>
+                <a:latin typeface="Times New Roman"/>
+                <a:ea typeface="Times New Roman"/>
+                <a:cs typeface="Times New Roman"/>
+                <a:sym typeface="Times New Roman"/>
+              </a:rPr>
+              <a:t>kernel</a:t>
+            </a:r>
+            <a:r>
+              <a:rPr lang="en" sz="1200">
+                <a:solidFill>
+                  <a:srgbClr val="212529"/>
+                </a:solidFill>
+                <a:highlight>
+                  <a:srgbClr val="FFFFFF"/>
+                </a:highlight>
+                <a:latin typeface="Times New Roman"/>
+                <a:ea typeface="Times New Roman"/>
+                <a:cs typeface="Times New Roman"/>
+                <a:sym typeface="Times New Roman"/>
+              </a:rPr>
+              <a:t> size to be 32, For the output layer we use the softmax activation function because it is a multiple classification problem.</a:t>
             </a:r>
             <a:endParaRPr/>
           </a:p>
@@ -1293,7 +1675,7 @@
   <p:cSld>
     <p:spTree>
       <p:nvGrpSpPr>
-        <p:cNvPr id="92" name="Shape 92"/>
+        <p:cNvPr id="93" name="Shape 93"/>
         <p:cNvGrpSpPr/>
         <p:nvPr/>
       </p:nvGrpSpPr>
@@ -1307,7 +1689,7 @@
       </p:grpSpPr>
       <p:sp>
         <p:nvSpPr>
-          <p:cNvPr id="93" name="Google Shape;93;g1059dac7870_1_3:notes"/>
+          <p:cNvPr id="94" name="Google Shape;94;g1059dac7870_1_3:notes"/>
           <p:cNvSpPr/>
           <p:nvPr>
             <p:ph idx="2" type="sldImg"/>
@@ -1342,7 +1724,7 @@
       </p:sp>
       <p:sp>
         <p:nvSpPr>
-          <p:cNvPr id="94" name="Google Shape;94;g1059dac7870_1_3:notes"/>
+          <p:cNvPr id="95" name="Google Shape;95;g1059dac7870_1_3:notes"/>
           <p:cNvSpPr txBox="1"/>
           <p:nvPr>
             <p:ph idx="1" type="body"/>
@@ -1373,7 +1755,23 @@
               <a:buNone/>
             </a:pPr>
             <a:r>
-              <a:t/>
+              <a:rPr lang="en"/>
+              <a:t>This is the model summary. Then we do model.fit. The</a:t>
+            </a:r>
+            <a:r>
+              <a:rPr lang="en" sz="1200">
+                <a:solidFill>
+                  <a:srgbClr val="212529"/>
+                </a:solidFill>
+                <a:highlight>
+                  <a:srgbClr val="FFFFFF"/>
+                </a:highlight>
+                <a:latin typeface="Times New Roman"/>
+                <a:ea typeface="Times New Roman"/>
+                <a:cs typeface="Times New Roman"/>
+                <a:sym typeface="Times New Roman"/>
+              </a:rPr>
+              <a:t> learning rate was 0.01, loss was ‘sparse_categorical_crossentropy’ and metrics was ‘accuracy’.</a:t>
             </a:r>
             <a:endParaRPr/>
           </a:p>
@@ -1392,7 +1790,7 @@
   <p:cSld>
     <p:spTree>
       <p:nvGrpSpPr>
-        <p:cNvPr id="99" name="Shape 99"/>
+        <p:cNvPr id="100" name="Shape 100"/>
         <p:cNvGrpSpPr/>
         <p:nvPr/>
       </p:nvGrpSpPr>
@@ -1406,7 +1804,7 @@
       </p:grpSpPr>
       <p:sp>
         <p:nvSpPr>
-          <p:cNvPr id="100" name="Google Shape;100;g1059dac7870_0_60:notes"/>
+          <p:cNvPr id="101" name="Google Shape;101;g1059dac7870_0_60:notes"/>
           <p:cNvSpPr/>
           <p:nvPr>
             <p:ph idx="2" type="sldImg"/>
@@ -1441,7 +1839,7 @@
       </p:sp>
       <p:sp>
         <p:nvSpPr>
-          <p:cNvPr id="101" name="Google Shape;101;g1059dac7870_0_60:notes"/>
+          <p:cNvPr id="102" name="Google Shape;102;g1059dac7870_0_60:notes"/>
           <p:cNvSpPr txBox="1"/>
           <p:nvPr>
             <p:ph idx="1" type="body"/>
@@ -1472,7 +1870,23 @@
               <a:buNone/>
             </a:pPr>
             <a:r>
-              <a:t/>
+              <a:rPr lang="en"/>
+              <a:t>Here’s the heat map of the result of our test data, as you can see it tends to classify the inputs to a type 4,5,6 or a 7 music, which </a:t>
+            </a:r>
+            <a:r>
+              <a:rPr lang="en" sz="1200">
+                <a:solidFill>
+                  <a:srgbClr val="212121"/>
+                </a:solidFill>
+                <a:highlight>
+                  <a:srgbClr val="FFFFFF"/>
+                </a:highlight>
+                <a:latin typeface="Times New Roman"/>
+                <a:ea typeface="Times New Roman"/>
+                <a:cs typeface="Times New Roman"/>
+                <a:sym typeface="Times New Roman"/>
+              </a:rPr>
+              <a:t>are blues, reggae, rock and hiphop. We believed it was reasonable that our model confused more between these types, but recognized ‘pop’ (which is 8) and ‘classical’ (which is 9) quite well</a:t>
             </a:r>
             <a:endParaRPr/>
           </a:p>
@@ -1491,7 +1905,7 @@
   <p:cSld>
     <p:spTree>
       <p:nvGrpSpPr>
-        <p:cNvPr id="106" name="Shape 106"/>
+        <p:cNvPr id="107" name="Shape 107"/>
         <p:cNvGrpSpPr/>
         <p:nvPr/>
       </p:nvGrpSpPr>
@@ -1505,7 +1919,7 @@
       </p:grpSpPr>
       <p:sp>
         <p:nvSpPr>
-          <p:cNvPr id="107" name="Google Shape;107;g1059dac7870_0_5:notes"/>
+          <p:cNvPr id="108" name="Google Shape;108;g1059dac7870_0_5:notes"/>
           <p:cNvSpPr/>
           <p:nvPr>
             <p:ph idx="2" type="sldImg"/>
@@ -1540,7 +1954,7 @@
       </p:sp>
       <p:sp>
         <p:nvSpPr>
-          <p:cNvPr id="108" name="Google Shape;108;g1059dac7870_0_5:notes"/>
+          <p:cNvPr id="109" name="Google Shape;109;g1059dac7870_0_5:notes"/>
           <p:cNvSpPr txBox="1"/>
           <p:nvPr>
             <p:ph idx="1" type="body"/>
@@ -6388,16 +6802,40 @@
             </a:pPr>
             <a:r>
               <a:rPr lang="en"/>
-              <a:t>Katrina Li, </a:t>
-            </a:r>
-            <a:r>
-              <a:rPr lang="en"/>
-              <a:t>Cathy Guang</a:t>
+              <a:t>Katrina Li, Cathy Guang</a:t>
             </a:r>
             <a:endParaRPr/>
           </a:p>
         </p:txBody>
       </p:sp>
+      <p:pic>
+        <p:nvPicPr>
+          <p:cNvPr id="56" name="Google Shape;56;p13"/>
+          <p:cNvPicPr preferRelativeResize="0"/>
+          <p:nvPr/>
+        </p:nvPicPr>
+        <p:blipFill>
+          <a:blip r:embed="rId3">
+            <a:alphaModFix/>
+          </a:blip>
+          <a:stretch>
+            <a:fillRect/>
+          </a:stretch>
+        </p:blipFill>
+        <p:spPr>
+          <a:xfrm>
+            <a:off x="4307150" y="-5"/>
+            <a:ext cx="4836850" cy="1663425"/>
+          </a:xfrm>
+          <a:prstGeom prst="rect">
+            <a:avLst/>
+          </a:prstGeom>
+          <a:noFill/>
+          <a:ln>
+            <a:noFill/>
+          </a:ln>
+        </p:spPr>
+      </p:pic>
     </p:spTree>
   </p:cSld>
   <p:clrMapOvr>
@@ -6411,7 +6849,7 @@
   <p:cSld>
     <p:spTree>
       <p:nvGrpSpPr>
-        <p:cNvPr id="59" name="Shape 59"/>
+        <p:cNvPr id="60" name="Shape 60"/>
         <p:cNvGrpSpPr/>
         <p:nvPr/>
       </p:nvGrpSpPr>
@@ -6425,7 +6863,7 @@
       </p:grpSpPr>
       <p:sp>
         <p:nvSpPr>
-          <p:cNvPr id="60" name="Google Shape;60;p14"/>
+          <p:cNvPr id="61" name="Google Shape;61;p14"/>
           <p:cNvSpPr txBox="1"/>
           <p:nvPr>
             <p:ph type="title"/>
@@ -6465,7 +6903,7 @@
       </p:sp>
       <p:sp>
         <p:nvSpPr>
-          <p:cNvPr id="61" name="Google Shape;61;p14"/>
+          <p:cNvPr id="62" name="Google Shape;62;p14"/>
           <p:cNvSpPr txBox="1"/>
           <p:nvPr>
             <p:ph idx="1" type="body"/>
@@ -6568,7 +7006,7 @@
       </p:sp>
       <p:pic>
         <p:nvPicPr>
-          <p:cNvPr id="62" name="Google Shape;62;p14"/>
+          <p:cNvPr id="63" name="Google Shape;63;p14"/>
           <p:cNvPicPr preferRelativeResize="0"/>
           <p:nvPr/>
         </p:nvPicPr>
@@ -6595,7 +7033,7 @@
       </p:pic>
       <p:pic>
         <p:nvPicPr>
-          <p:cNvPr id="63" name="Google Shape;63;p14"/>
+          <p:cNvPr id="64" name="Google Shape;64;p14"/>
           <p:cNvPicPr preferRelativeResize="0"/>
           <p:nvPr/>
         </p:nvPicPr>
@@ -6634,7 +7072,7 @@
   <p:cSld>
     <p:spTree>
       <p:nvGrpSpPr>
-        <p:cNvPr id="67" name="Shape 67"/>
+        <p:cNvPr id="68" name="Shape 68"/>
         <p:cNvGrpSpPr/>
         <p:nvPr/>
       </p:nvGrpSpPr>
@@ -6648,7 +7086,7 @@
       </p:grpSpPr>
       <p:sp>
         <p:nvSpPr>
-          <p:cNvPr id="68" name="Google Shape;68;p15"/>
+          <p:cNvPr id="69" name="Google Shape;69;p15"/>
           <p:cNvSpPr txBox="1"/>
           <p:nvPr>
             <p:ph type="title"/>
@@ -6688,7 +7126,7 @@
       </p:sp>
       <p:sp>
         <p:nvSpPr>
-          <p:cNvPr id="69" name="Google Shape;69;p15"/>
+          <p:cNvPr id="70" name="Google Shape;70;p15"/>
           <p:cNvSpPr txBox="1"/>
           <p:nvPr>
             <p:ph idx="1" type="body"/>
@@ -6738,7 +7176,7 @@
             </a:pPr>
             <a:r>
               <a:rPr lang="en"/>
-              <a:t>Approximate human auditory system</a:t>
+              <a:t>Approximate human auditory system (advantage over spectrum)</a:t>
             </a:r>
             <a:endParaRPr/>
           </a:p>
@@ -6755,7 +7193,7 @@
             </a:pPr>
             <a:r>
               <a:rPr lang="en"/>
-              <a:t>13 to 40 coefficients</a:t>
+              <a:t>13 to 40 coefficients (we used 13)</a:t>
             </a:r>
             <a:endParaRPr/>
           </a:p>
@@ -6780,7 +7218,7 @@
       </p:sp>
       <p:pic>
         <p:nvPicPr>
-          <p:cNvPr id="70" name="Google Shape;70;p15"/>
+          <p:cNvPr id="71" name="Google Shape;71;p15"/>
           <p:cNvPicPr preferRelativeResize="0"/>
           <p:nvPr/>
         </p:nvPicPr>
@@ -6794,7 +7232,7 @@
         </p:blipFill>
         <p:spPr>
           <a:xfrm>
-            <a:off x="4016825" y="2101475"/>
+            <a:off x="4016825" y="2240875"/>
             <a:ext cx="4552805" cy="2571750"/>
           </a:xfrm>
           <a:prstGeom prst="rect">
@@ -6819,7 +7257,7 @@
   <p:cSld>
     <p:spTree>
       <p:nvGrpSpPr>
-        <p:cNvPr id="74" name="Shape 74"/>
+        <p:cNvPr id="75" name="Shape 75"/>
         <p:cNvGrpSpPr/>
         <p:nvPr/>
       </p:nvGrpSpPr>
@@ -6833,7 +7271,7 @@
       </p:grpSpPr>
       <p:sp>
         <p:nvSpPr>
-          <p:cNvPr id="75" name="Google Shape;75;p16"/>
+          <p:cNvPr id="76" name="Google Shape;76;p16"/>
           <p:cNvSpPr txBox="1"/>
           <p:nvPr>
             <p:ph type="title"/>
@@ -6873,7 +7311,7 @@
       </p:sp>
       <p:sp>
         <p:nvSpPr>
-          <p:cNvPr id="76" name="Google Shape;76;p16"/>
+          <p:cNvPr id="77" name="Google Shape;77;p16"/>
           <p:cNvSpPr txBox="1"/>
           <p:nvPr>
             <p:ph idx="1" type="body"/>
@@ -6912,7 +7350,7 @@
       </p:sp>
       <p:pic>
         <p:nvPicPr>
-          <p:cNvPr id="77" name="Google Shape;77;p16"/>
+          <p:cNvPr id="78" name="Google Shape;78;p16"/>
           <p:cNvPicPr preferRelativeResize="0"/>
           <p:nvPr/>
         </p:nvPicPr>
@@ -6951,7 +7389,7 @@
   <p:cSld>
     <p:spTree>
       <p:nvGrpSpPr>
-        <p:cNvPr id="81" name="Shape 81"/>
+        <p:cNvPr id="82" name="Shape 82"/>
         <p:cNvGrpSpPr/>
         <p:nvPr/>
       </p:nvGrpSpPr>
@@ -6965,7 +7403,7 @@
       </p:grpSpPr>
       <p:sp>
         <p:nvSpPr>
-          <p:cNvPr id="82" name="Google Shape;82;p17"/>
+          <p:cNvPr id="83" name="Google Shape;83;p17"/>
           <p:cNvSpPr txBox="1"/>
           <p:nvPr>
             <p:ph type="title"/>
@@ -7005,7 +7443,7 @@
       </p:sp>
       <p:sp>
         <p:nvSpPr>
-          <p:cNvPr id="83" name="Google Shape;83;p17"/>
+          <p:cNvPr id="84" name="Google Shape;84;p17"/>
           <p:cNvSpPr txBox="1"/>
           <p:nvPr>
             <p:ph idx="1" type="body"/>
@@ -7135,7 +7573,7 @@
       </p:sp>
       <p:sp>
         <p:nvSpPr>
-          <p:cNvPr id="84" name="Google Shape;84;p17"/>
+          <p:cNvPr id="85" name="Google Shape;85;p17"/>
           <p:cNvSpPr txBox="1"/>
           <p:nvPr/>
         </p:nvSpPr>
@@ -7196,7 +7634,7 @@
   <p:cSld>
     <p:spTree>
       <p:nvGrpSpPr>
-        <p:cNvPr id="88" name="Shape 88"/>
+        <p:cNvPr id="89" name="Shape 89"/>
         <p:cNvGrpSpPr/>
         <p:nvPr/>
       </p:nvGrpSpPr>
@@ -7210,7 +7648,7 @@
       </p:grpSpPr>
       <p:sp>
         <p:nvSpPr>
-          <p:cNvPr id="89" name="Google Shape;89;p18"/>
+          <p:cNvPr id="90" name="Google Shape;90;p18"/>
           <p:cNvSpPr txBox="1"/>
           <p:nvPr>
             <p:ph type="title"/>
@@ -7250,7 +7688,7 @@
       </p:sp>
       <p:sp>
         <p:nvSpPr>
-          <p:cNvPr id="90" name="Google Shape;90;p18"/>
+          <p:cNvPr id="91" name="Google Shape;91;p18"/>
           <p:cNvSpPr txBox="1"/>
           <p:nvPr>
             <p:ph idx="1" type="body"/>
@@ -7312,7 +7750,7 @@
       </p:sp>
       <p:pic>
         <p:nvPicPr>
-          <p:cNvPr id="91" name="Google Shape;91;p18"/>
+          <p:cNvPr id="92" name="Google Shape;92;p18"/>
           <p:cNvPicPr preferRelativeResize="0"/>
           <p:nvPr/>
         </p:nvPicPr>
@@ -7351,7 +7789,7 @@
   <p:cSld>
     <p:spTree>
       <p:nvGrpSpPr>
-        <p:cNvPr id="95" name="Shape 95"/>
+        <p:cNvPr id="96" name="Shape 96"/>
         <p:cNvGrpSpPr/>
         <p:nvPr/>
       </p:nvGrpSpPr>
@@ -7365,7 +7803,7 @@
       </p:grpSpPr>
       <p:sp>
         <p:nvSpPr>
-          <p:cNvPr id="96" name="Google Shape;96;p19"/>
+          <p:cNvPr id="97" name="Google Shape;97;p19"/>
           <p:cNvSpPr txBox="1"/>
           <p:nvPr>
             <p:ph type="title"/>
@@ -7405,7 +7843,7 @@
       </p:sp>
       <p:sp>
         <p:nvSpPr>
-          <p:cNvPr id="97" name="Google Shape;97;p19"/>
+          <p:cNvPr id="98" name="Google Shape;98;p19"/>
           <p:cNvSpPr txBox="1"/>
           <p:nvPr>
             <p:ph idx="1" type="body"/>
@@ -7444,7 +7882,7 @@
       </p:sp>
       <p:pic>
         <p:nvPicPr>
-          <p:cNvPr id="98" name="Google Shape;98;p19"/>
+          <p:cNvPr id="99" name="Google Shape;99;p19"/>
           <p:cNvPicPr preferRelativeResize="0"/>
           <p:nvPr/>
         </p:nvPicPr>
@@ -7482,7 +7920,7 @@
   <p:cSld>
     <p:spTree>
       <p:nvGrpSpPr>
-        <p:cNvPr id="102" name="Shape 102"/>
+        <p:cNvPr id="103" name="Shape 103"/>
         <p:cNvGrpSpPr/>
         <p:nvPr/>
       </p:nvGrpSpPr>
@@ -7496,7 +7934,7 @@
       </p:grpSpPr>
       <p:sp>
         <p:nvSpPr>
-          <p:cNvPr id="103" name="Google Shape;103;p20"/>
+          <p:cNvPr id="104" name="Google Shape;104;p20"/>
           <p:cNvSpPr txBox="1"/>
           <p:nvPr>
             <p:ph type="title"/>
@@ -7536,7 +7974,7 @@
       </p:sp>
       <p:sp>
         <p:nvSpPr>
-          <p:cNvPr id="104" name="Google Shape;104;p20"/>
+          <p:cNvPr id="105" name="Google Shape;105;p20"/>
           <p:cNvSpPr txBox="1"/>
           <p:nvPr>
             <p:ph idx="1" type="body"/>
@@ -7577,7 +8015,7 @@
       </p:sp>
       <p:pic>
         <p:nvPicPr>
-          <p:cNvPr id="105" name="Google Shape;105;p20"/>
+          <p:cNvPr id="106" name="Google Shape;106;p20"/>
           <p:cNvPicPr preferRelativeResize="0"/>
           <p:nvPr/>
         </p:nvPicPr>
@@ -7616,7 +8054,7 @@
   <p:cSld>
     <p:spTree>
       <p:nvGrpSpPr>
-        <p:cNvPr id="109" name="Shape 109"/>
+        <p:cNvPr id="110" name="Shape 110"/>
         <p:cNvGrpSpPr/>
         <p:nvPr/>
       </p:nvGrpSpPr>
@@ -7630,7 +8068,7 @@
       </p:grpSpPr>
       <p:sp>
         <p:nvSpPr>
-          <p:cNvPr id="110" name="Google Shape;110;p21"/>
+          <p:cNvPr id="111" name="Google Shape;111;p21"/>
           <p:cNvSpPr txBox="1"/>
           <p:nvPr>
             <p:ph type="title"/>
@@ -7670,7 +8108,7 @@
       </p:sp>
       <p:sp>
         <p:nvSpPr>
-          <p:cNvPr id="111" name="Google Shape;111;p21"/>
+          <p:cNvPr id="112" name="Google Shape;112;p21"/>
           <p:cNvSpPr txBox="1"/>
           <p:nvPr>
             <p:ph idx="1" type="body"/>
